--- a/Sprints/Sprint_006 da equipe.pptx
+++ b/Sprints/Sprint_006 da equipe.pptx
@@ -3954,7 +3954,7 @@
             </a:r>
             <a:r>
               <a:rPr lang="pt-BR" dirty="0"/>
-              <a:t>: Adicionar fornecedor, gerar relatórios(todos, só entrada ou só saída).</a:t>
+              <a:t>: Adicionar fornecedor, gerar relatórios (todos, só entrada ou só saída).</a:t>
             </a:r>
           </a:p>
           <a:p>
@@ -4155,6 +4155,25 @@
             <a:r>
               <a:rPr lang="pt-BR" dirty="0"/>
               <a:t>: Corrigir erros, melhorar os códigos.</a:t>
+            </a:r>
+          </a:p>
+          <a:p>
+            <a:pPr algn="just"/>
+            <a:r>
+              <a:rPr lang="pt-BR" b="1" dirty="0"/>
+              <a:t>Status: [</a:t>
+            </a:r>
+            <a:r>
+              <a:rPr lang="pt-BR" dirty="0"/>
+              <a:t>Em andamento</a:t>
+            </a:r>
+            <a:r>
+              <a:rPr lang="pt-BR" b="1" dirty="0"/>
+              <a:t>]</a:t>
+            </a:r>
+            <a:r>
+              <a:rPr lang="pt-BR" dirty="0"/>
+              <a:t>.</a:t>
             </a:r>
           </a:p>
         </p:txBody>

--- a/Sprints/Sprint_006 da equipe.pptx
+++ b/Sprints/Sprint_006 da equipe.pptx
@@ -355,7 +355,7 @@
             <a:fld id="{5586B75A-687E-405C-8A0B-8D00578BA2C3}" type="datetimeFigureOut">
               <a:rPr lang="en-US" dirty="0"/>
               <a:pPr/>
-              <a:t>10/17/2018</a:t>
+              <a:t>10/22/2018</a:t>
             </a:fld>
             <a:endParaRPr lang="en-US" dirty="0"/>
           </a:p>
@@ -522,7 +522,7 @@
             <a:fld id="{5586B75A-687E-405C-8A0B-8D00578BA2C3}" type="datetimeFigureOut">
               <a:rPr lang="en-US" dirty="0"/>
               <a:pPr/>
-              <a:t>10/17/2018</a:t>
+              <a:t>10/22/2018</a:t>
             </a:fld>
             <a:endParaRPr lang="en-US" dirty="0"/>
           </a:p>
@@ -699,7 +699,7 @@
             <a:fld id="{5586B75A-687E-405C-8A0B-8D00578BA2C3}" type="datetimeFigureOut">
               <a:rPr lang="en-US" dirty="0"/>
               <a:pPr/>
-              <a:t>10/17/2018</a:t>
+              <a:t>10/22/2018</a:t>
             </a:fld>
             <a:endParaRPr lang="en-US" dirty="0"/>
           </a:p>
@@ -866,7 +866,7 @@
             <a:fld id="{5586B75A-687E-405C-8A0B-8D00578BA2C3}" type="datetimeFigureOut">
               <a:rPr lang="en-US" dirty="0"/>
               <a:pPr/>
-              <a:t>10/17/2018</a:t>
+              <a:t>10/22/2018</a:t>
             </a:fld>
             <a:endParaRPr lang="en-US" dirty="0"/>
           </a:p>
@@ -1121,7 +1121,7 @@
             <a:fld id="{5586B75A-687E-405C-8A0B-8D00578BA2C3}" type="datetimeFigureOut">
               <a:rPr lang="en-US" dirty="0"/>
               <a:pPr/>
-              <a:t>10/17/2018</a:t>
+              <a:t>10/22/2018</a:t>
             </a:fld>
             <a:endParaRPr lang="en-US" dirty="0"/>
           </a:p>
@@ -1406,7 +1406,7 @@
             <a:fld id="{5586B75A-687E-405C-8A0B-8D00578BA2C3}" type="datetimeFigureOut">
               <a:rPr lang="en-US" dirty="0"/>
               <a:pPr/>
-              <a:t>10/17/2018</a:t>
+              <a:t>10/22/2018</a:t>
             </a:fld>
             <a:endParaRPr lang="en-US" dirty="0"/>
           </a:p>
@@ -1845,7 +1845,7 @@
             <a:fld id="{5586B75A-687E-405C-8A0B-8D00578BA2C3}" type="datetimeFigureOut">
               <a:rPr lang="en-US" dirty="0"/>
               <a:pPr/>
-              <a:t>10/17/2018</a:t>
+              <a:t>10/22/2018</a:t>
             </a:fld>
             <a:endParaRPr lang="en-US" dirty="0"/>
           </a:p>
@@ -1960,7 +1960,7 @@
             <a:fld id="{5586B75A-687E-405C-8A0B-8D00578BA2C3}" type="datetimeFigureOut">
               <a:rPr lang="en-US" dirty="0"/>
               <a:pPr/>
-              <a:t>10/17/2018</a:t>
+              <a:t>10/22/2018</a:t>
             </a:fld>
             <a:endParaRPr lang="en-US" dirty="0"/>
           </a:p>
@@ -2052,7 +2052,7 @@
             <a:fld id="{5586B75A-687E-405C-8A0B-8D00578BA2C3}" type="datetimeFigureOut">
               <a:rPr lang="en-US" dirty="0"/>
               <a:pPr/>
-              <a:t>10/17/2018</a:t>
+              <a:t>10/22/2018</a:t>
             </a:fld>
             <a:endParaRPr lang="en-US" dirty="0"/>
           </a:p>
@@ -2337,7 +2337,7 @@
             <a:fld id="{5586B75A-687E-405C-8A0B-8D00578BA2C3}" type="datetimeFigureOut">
               <a:rPr lang="en-US" dirty="0"/>
               <a:pPr/>
-              <a:t>10/17/2018</a:t>
+              <a:t>10/22/2018</a:t>
             </a:fld>
             <a:endParaRPr lang="en-US" dirty="0"/>
           </a:p>
@@ -2607,7 +2607,7 @@
             <a:fld id="{5586B75A-687E-405C-8A0B-8D00578BA2C3}" type="datetimeFigureOut">
               <a:rPr lang="en-US" dirty="0"/>
               <a:pPr/>
-              <a:t>10/17/2018</a:t>
+              <a:t>10/22/2018</a:t>
             </a:fld>
             <a:endParaRPr lang="en-US" dirty="0"/>
           </a:p>
@@ -2901,7 +2901,7 @@
             <a:fld id="{5586B75A-687E-405C-8A0B-8D00578BA2C3}" type="datetimeFigureOut">
               <a:rPr lang="en-US" dirty="0"/>
               <a:pPr/>
-              <a:t>10/17/2018</a:t>
+              <a:t>10/22/2018</a:t>
             </a:fld>
             <a:endParaRPr lang="en-US" dirty="0"/>
           </a:p>
@@ -3408,12 +3408,13 @@
               <a:t>Fim de Sprint</a:t>
             </a:r>
             <a:br>
-              <a:rPr lang="pt-BR" dirty="0"/>
+              <a:rPr lang="pt-BR"/>
             </a:br>
             <a:r>
-              <a:rPr lang="pt-BR" dirty="0"/>
-              <a:t>10/09/2018</a:t>
-            </a:r>
+              <a:rPr lang="pt-BR"/>
+              <a:t>17/09/2018</a:t>
+            </a:r>
+            <a:endParaRPr lang="pt-BR" dirty="0"/>
           </a:p>
         </p:txBody>
       </p:sp>
